--- a/text.pptx
+++ b/text.pptx
@@ -260,7 +260,7 @@
           <a:p>
             <a:fld id="{91A61FA3-1843-480C-BFAB-9EF8081C590C}" type="datetimeFigureOut">
               <a:rPr lang="zh-CN" altLang="en-US" smtClean="0"/>
-              <a:t>2024/7/10</a:t>
+              <a:t>2024/7/12</a:t>
             </a:fld>
             <a:endParaRPr lang="zh-CN" altLang="en-US"/>
           </a:p>
@@ -458,7 +458,7 @@
           <a:p>
             <a:fld id="{91A61FA3-1843-480C-BFAB-9EF8081C590C}" type="datetimeFigureOut">
               <a:rPr lang="zh-CN" altLang="en-US" smtClean="0"/>
-              <a:t>2024/7/10</a:t>
+              <a:t>2024/7/12</a:t>
             </a:fld>
             <a:endParaRPr lang="zh-CN" altLang="en-US"/>
           </a:p>
@@ -666,7 +666,7 @@
           <a:p>
             <a:fld id="{91A61FA3-1843-480C-BFAB-9EF8081C590C}" type="datetimeFigureOut">
               <a:rPr lang="zh-CN" altLang="en-US" smtClean="0"/>
-              <a:t>2024/7/10</a:t>
+              <a:t>2024/7/12</a:t>
             </a:fld>
             <a:endParaRPr lang="zh-CN" altLang="en-US"/>
           </a:p>
@@ -864,7 +864,7 @@
           <a:p>
             <a:fld id="{91A61FA3-1843-480C-BFAB-9EF8081C590C}" type="datetimeFigureOut">
               <a:rPr lang="zh-CN" altLang="en-US" smtClean="0"/>
-              <a:t>2024/7/10</a:t>
+              <a:t>2024/7/12</a:t>
             </a:fld>
             <a:endParaRPr lang="zh-CN" altLang="en-US"/>
           </a:p>
@@ -1139,7 +1139,7 @@
           <a:p>
             <a:fld id="{91A61FA3-1843-480C-BFAB-9EF8081C590C}" type="datetimeFigureOut">
               <a:rPr lang="zh-CN" altLang="en-US" smtClean="0"/>
-              <a:t>2024/7/10</a:t>
+              <a:t>2024/7/12</a:t>
             </a:fld>
             <a:endParaRPr lang="zh-CN" altLang="en-US"/>
           </a:p>
@@ -1404,7 +1404,7 @@
           <a:p>
             <a:fld id="{91A61FA3-1843-480C-BFAB-9EF8081C590C}" type="datetimeFigureOut">
               <a:rPr lang="zh-CN" altLang="en-US" smtClean="0"/>
-              <a:t>2024/7/10</a:t>
+              <a:t>2024/7/12</a:t>
             </a:fld>
             <a:endParaRPr lang="zh-CN" altLang="en-US"/>
           </a:p>
@@ -1816,7 +1816,7 @@
           <a:p>
             <a:fld id="{91A61FA3-1843-480C-BFAB-9EF8081C590C}" type="datetimeFigureOut">
               <a:rPr lang="zh-CN" altLang="en-US" smtClean="0"/>
-              <a:t>2024/7/10</a:t>
+              <a:t>2024/7/12</a:t>
             </a:fld>
             <a:endParaRPr lang="zh-CN" altLang="en-US"/>
           </a:p>
@@ -1957,7 +1957,7 @@
           <a:p>
             <a:fld id="{91A61FA3-1843-480C-BFAB-9EF8081C590C}" type="datetimeFigureOut">
               <a:rPr lang="zh-CN" altLang="en-US" smtClean="0"/>
-              <a:t>2024/7/10</a:t>
+              <a:t>2024/7/12</a:t>
             </a:fld>
             <a:endParaRPr lang="zh-CN" altLang="en-US"/>
           </a:p>
@@ -2070,7 +2070,7 @@
           <a:p>
             <a:fld id="{91A61FA3-1843-480C-BFAB-9EF8081C590C}" type="datetimeFigureOut">
               <a:rPr lang="zh-CN" altLang="en-US" smtClean="0"/>
-              <a:t>2024/7/10</a:t>
+              <a:t>2024/7/12</a:t>
             </a:fld>
             <a:endParaRPr lang="zh-CN" altLang="en-US"/>
           </a:p>
@@ -2381,7 +2381,7 @@
           <a:p>
             <a:fld id="{91A61FA3-1843-480C-BFAB-9EF8081C590C}" type="datetimeFigureOut">
               <a:rPr lang="zh-CN" altLang="en-US" smtClean="0"/>
-              <a:t>2024/7/10</a:t>
+              <a:t>2024/7/12</a:t>
             </a:fld>
             <a:endParaRPr lang="zh-CN" altLang="en-US"/>
           </a:p>
@@ -2669,7 +2669,7 @@
           <a:p>
             <a:fld id="{91A61FA3-1843-480C-BFAB-9EF8081C590C}" type="datetimeFigureOut">
               <a:rPr lang="zh-CN" altLang="en-US" smtClean="0"/>
-              <a:t>2024/7/10</a:t>
+              <a:t>2024/7/12</a:t>
             </a:fld>
             <a:endParaRPr lang="zh-CN" altLang="en-US"/>
           </a:p>
@@ -2910,7 +2910,7 @@
           <a:p>
             <a:fld id="{91A61FA3-1843-480C-BFAB-9EF8081C590C}" type="datetimeFigureOut">
               <a:rPr lang="zh-CN" altLang="en-US" smtClean="0"/>
-              <a:t>2024/7/10</a:t>
+              <a:t>2024/7/12</a:t>
             </a:fld>
             <a:endParaRPr lang="zh-CN" altLang="en-US"/>
           </a:p>
@@ -3341,8 +3341,8 @@
         </p:nvSpPr>
         <p:spPr>
           <a:xfrm>
-            <a:off x="2199736" y="3075057"/>
-            <a:ext cx="9598324" cy="707886"/>
+            <a:off x="974785" y="3075057"/>
+            <a:ext cx="10823275" cy="707886"/>
           </a:xfrm>
           <a:prstGeom prst="rect">
             <a:avLst/>
@@ -3360,7 +3360,7 @@
                 <a:latin typeface="仿宋" panose="02010609060101010101" pitchFamily="49" charset="-122"/>
                 <a:ea typeface="仿宋" panose="02010609060101010101" pitchFamily="49" charset="-122"/>
               </a:rPr>
-              <a:t>杭州市余杭区爱善公益服务中心</a:t>
+              <a:t>杭州市余杭区中泰街道泰和强哥调解服务中心</a:t>
             </a:r>
           </a:p>
         </p:txBody>
